--- a/documentation/Astronomer Panel Presentation.pptx
+++ b/documentation/Astronomer Panel Presentation.pptx
@@ -228,7 +228,7 @@
           <a:p>
             <a:fld id="{90C15DD1-40EF-DA4B-A348-423AC3DC734A}" type="datetimeFigureOut">
               <a:rPr lang="en-US" smtClean="0"/>
-              <a:t>12/5/23</a:t>
+              <a:t>12/6/23</a:t>
             </a:fld>
             <a:endParaRPr lang="en-US"/>
           </a:p>
@@ -3733,7 +3733,7 @@
           <a:p>
             <a:fld id="{C20961CD-0C9C-0148-8F26-BF7F9291428C}" type="datetimeFigureOut">
               <a:rPr lang="en-US" smtClean="0"/>
-              <a:t>12/5/23</a:t>
+              <a:t>12/6/23</a:t>
             </a:fld>
             <a:endParaRPr lang="en-US"/>
           </a:p>
@@ -3931,7 +3931,7 @@
           <a:p>
             <a:fld id="{C20961CD-0C9C-0148-8F26-BF7F9291428C}" type="datetimeFigureOut">
               <a:rPr lang="en-US" smtClean="0"/>
-              <a:t>12/5/23</a:t>
+              <a:t>12/6/23</a:t>
             </a:fld>
             <a:endParaRPr lang="en-US"/>
           </a:p>
@@ -4139,7 +4139,7 @@
           <a:p>
             <a:fld id="{C20961CD-0C9C-0148-8F26-BF7F9291428C}" type="datetimeFigureOut">
               <a:rPr lang="en-US" smtClean="0"/>
-              <a:t>12/5/23</a:t>
+              <a:t>12/6/23</a:t>
             </a:fld>
             <a:endParaRPr lang="en-US"/>
           </a:p>
@@ -4337,7 +4337,7 @@
           <a:p>
             <a:fld id="{C20961CD-0C9C-0148-8F26-BF7F9291428C}" type="datetimeFigureOut">
               <a:rPr lang="en-US" smtClean="0"/>
-              <a:t>12/5/23</a:t>
+              <a:t>12/6/23</a:t>
             </a:fld>
             <a:endParaRPr lang="en-US"/>
           </a:p>
@@ -4612,7 +4612,7 @@
           <a:p>
             <a:fld id="{C20961CD-0C9C-0148-8F26-BF7F9291428C}" type="datetimeFigureOut">
               <a:rPr lang="en-US" smtClean="0"/>
-              <a:t>12/5/23</a:t>
+              <a:t>12/6/23</a:t>
             </a:fld>
             <a:endParaRPr lang="en-US"/>
           </a:p>
@@ -4877,7 +4877,7 @@
           <a:p>
             <a:fld id="{C20961CD-0C9C-0148-8F26-BF7F9291428C}" type="datetimeFigureOut">
               <a:rPr lang="en-US" smtClean="0"/>
-              <a:t>12/5/23</a:t>
+              <a:t>12/6/23</a:t>
             </a:fld>
             <a:endParaRPr lang="en-US"/>
           </a:p>
@@ -5289,7 +5289,7 @@
           <a:p>
             <a:fld id="{C20961CD-0C9C-0148-8F26-BF7F9291428C}" type="datetimeFigureOut">
               <a:rPr lang="en-US" smtClean="0"/>
-              <a:t>12/5/23</a:t>
+              <a:t>12/6/23</a:t>
             </a:fld>
             <a:endParaRPr lang="en-US"/>
           </a:p>
@@ -5430,7 +5430,7 @@
           <a:p>
             <a:fld id="{C20961CD-0C9C-0148-8F26-BF7F9291428C}" type="datetimeFigureOut">
               <a:rPr lang="en-US" smtClean="0"/>
-              <a:t>12/5/23</a:t>
+              <a:t>12/6/23</a:t>
             </a:fld>
             <a:endParaRPr lang="en-US"/>
           </a:p>
@@ -5543,7 +5543,7 @@
           <a:p>
             <a:fld id="{C20961CD-0C9C-0148-8F26-BF7F9291428C}" type="datetimeFigureOut">
               <a:rPr lang="en-US" smtClean="0"/>
-              <a:t>12/5/23</a:t>
+              <a:t>12/6/23</a:t>
             </a:fld>
             <a:endParaRPr lang="en-US"/>
           </a:p>
@@ -5854,7 +5854,7 @@
           <a:p>
             <a:fld id="{C20961CD-0C9C-0148-8F26-BF7F9291428C}" type="datetimeFigureOut">
               <a:rPr lang="en-US" smtClean="0"/>
-              <a:t>12/5/23</a:t>
+              <a:t>12/6/23</a:t>
             </a:fld>
             <a:endParaRPr lang="en-US"/>
           </a:p>
@@ -6142,7 +6142,7 @@
           <a:p>
             <a:fld id="{C20961CD-0C9C-0148-8F26-BF7F9291428C}" type="datetimeFigureOut">
               <a:rPr lang="en-US" smtClean="0"/>
-              <a:t>12/5/23</a:t>
+              <a:t>12/6/23</a:t>
             </a:fld>
             <a:endParaRPr lang="en-US"/>
           </a:p>
@@ -6383,7 +6383,7 @@
           <a:p>
             <a:fld id="{C20961CD-0C9C-0148-8F26-BF7F9291428C}" type="datetimeFigureOut">
               <a:rPr lang="en-US" smtClean="0"/>
-              <a:t>12/5/23</a:t>
+              <a:t>12/6/23</a:t>
             </a:fld>
             <a:endParaRPr lang="en-US"/>
           </a:p>
@@ -25865,7 +25865,7 @@
                 <a:latin typeface="Helvetica" pitchFamily="2" charset="0"/>
                 <a:cs typeface="Arial" panose="020B0604020202020204" pitchFamily="34" charset="0"/>
               </a:rPr>
-              <a:t>Airflow helps to simplify developing and maintaining data workflows of all types</a:t>
+              <a:t>Airflow simplifies developing and maintaining data workflows of all types</a:t>
             </a:r>
           </a:p>
         </p:txBody>

--- a/documentation/Astronomer Panel Presentation.pptx
+++ b/documentation/Astronomer Panel Presentation.pptx
@@ -228,7 +228,7 @@
           <a:p>
             <a:fld id="{90C15DD1-40EF-DA4B-A348-423AC3DC734A}" type="datetimeFigureOut">
               <a:rPr lang="en-US" smtClean="0"/>
-              <a:t>12/6/23</a:t>
+              <a:t>12/8/23</a:t>
             </a:fld>
             <a:endParaRPr lang="en-US"/>
           </a:p>
@@ -3733,7 +3733,7 @@
           <a:p>
             <a:fld id="{C20961CD-0C9C-0148-8F26-BF7F9291428C}" type="datetimeFigureOut">
               <a:rPr lang="en-US" smtClean="0"/>
-              <a:t>12/6/23</a:t>
+              <a:t>12/8/23</a:t>
             </a:fld>
             <a:endParaRPr lang="en-US"/>
           </a:p>
@@ -3931,7 +3931,7 @@
           <a:p>
             <a:fld id="{C20961CD-0C9C-0148-8F26-BF7F9291428C}" type="datetimeFigureOut">
               <a:rPr lang="en-US" smtClean="0"/>
-              <a:t>12/6/23</a:t>
+              <a:t>12/8/23</a:t>
             </a:fld>
             <a:endParaRPr lang="en-US"/>
           </a:p>
@@ -4139,7 +4139,7 @@
           <a:p>
             <a:fld id="{C20961CD-0C9C-0148-8F26-BF7F9291428C}" type="datetimeFigureOut">
               <a:rPr lang="en-US" smtClean="0"/>
-              <a:t>12/6/23</a:t>
+              <a:t>12/8/23</a:t>
             </a:fld>
             <a:endParaRPr lang="en-US"/>
           </a:p>
@@ -4337,7 +4337,7 @@
           <a:p>
             <a:fld id="{C20961CD-0C9C-0148-8F26-BF7F9291428C}" type="datetimeFigureOut">
               <a:rPr lang="en-US" smtClean="0"/>
-              <a:t>12/6/23</a:t>
+              <a:t>12/8/23</a:t>
             </a:fld>
             <a:endParaRPr lang="en-US"/>
           </a:p>
@@ -4612,7 +4612,7 @@
           <a:p>
             <a:fld id="{C20961CD-0C9C-0148-8F26-BF7F9291428C}" type="datetimeFigureOut">
               <a:rPr lang="en-US" smtClean="0"/>
-              <a:t>12/6/23</a:t>
+              <a:t>12/8/23</a:t>
             </a:fld>
             <a:endParaRPr lang="en-US"/>
           </a:p>
@@ -4877,7 +4877,7 @@
           <a:p>
             <a:fld id="{C20961CD-0C9C-0148-8F26-BF7F9291428C}" type="datetimeFigureOut">
               <a:rPr lang="en-US" smtClean="0"/>
-              <a:t>12/6/23</a:t>
+              <a:t>12/8/23</a:t>
             </a:fld>
             <a:endParaRPr lang="en-US"/>
           </a:p>
@@ -5289,7 +5289,7 @@
           <a:p>
             <a:fld id="{C20961CD-0C9C-0148-8F26-BF7F9291428C}" type="datetimeFigureOut">
               <a:rPr lang="en-US" smtClean="0"/>
-              <a:t>12/6/23</a:t>
+              <a:t>12/8/23</a:t>
             </a:fld>
             <a:endParaRPr lang="en-US"/>
           </a:p>
@@ -5430,7 +5430,7 @@
           <a:p>
             <a:fld id="{C20961CD-0C9C-0148-8F26-BF7F9291428C}" type="datetimeFigureOut">
               <a:rPr lang="en-US" smtClean="0"/>
-              <a:t>12/6/23</a:t>
+              <a:t>12/8/23</a:t>
             </a:fld>
             <a:endParaRPr lang="en-US"/>
           </a:p>
@@ -5543,7 +5543,7 @@
           <a:p>
             <a:fld id="{C20961CD-0C9C-0148-8F26-BF7F9291428C}" type="datetimeFigureOut">
               <a:rPr lang="en-US" smtClean="0"/>
-              <a:t>12/6/23</a:t>
+              <a:t>12/8/23</a:t>
             </a:fld>
             <a:endParaRPr lang="en-US"/>
           </a:p>
@@ -5854,7 +5854,7 @@
           <a:p>
             <a:fld id="{C20961CD-0C9C-0148-8F26-BF7F9291428C}" type="datetimeFigureOut">
               <a:rPr lang="en-US" smtClean="0"/>
-              <a:t>12/6/23</a:t>
+              <a:t>12/8/23</a:t>
             </a:fld>
             <a:endParaRPr lang="en-US"/>
           </a:p>
@@ -6142,7 +6142,7 @@
           <a:p>
             <a:fld id="{C20961CD-0C9C-0148-8F26-BF7F9291428C}" type="datetimeFigureOut">
               <a:rPr lang="en-US" smtClean="0"/>
-              <a:t>12/6/23</a:t>
+              <a:t>12/8/23</a:t>
             </a:fld>
             <a:endParaRPr lang="en-US"/>
           </a:p>
@@ -6383,7 +6383,7 @@
           <a:p>
             <a:fld id="{C20961CD-0C9C-0148-8F26-BF7F9291428C}" type="datetimeFigureOut">
               <a:rPr lang="en-US" smtClean="0"/>
-              <a:t>12/6/23</a:t>
+              <a:t>12/8/23</a:t>
             </a:fld>
             <a:endParaRPr lang="en-US"/>
           </a:p>
@@ -8941,7 +8941,7 @@
                 <a:latin typeface="Helvetica" pitchFamily="2" charset="0"/>
                 <a:cs typeface="Arial" panose="020B0604020202020204" pitchFamily="34" charset="0"/>
               </a:rPr>
-              <a:t>Visible failures with options to retry</a:t>
+              <a:t>Ability to retry on failure</a:t>
             </a:r>
           </a:p>
           <a:p>
@@ -8963,7 +8963,7 @@
                 <a:latin typeface="Helvetica" pitchFamily="2" charset="0"/>
                 <a:cs typeface="Arial" panose="020B0604020202020204" pitchFamily="34" charset="0"/>
               </a:rPr>
-              <a:t>Ability to securely interact with source systems and destinations</a:t>
+              <a:t>Securely interact with source systems and destinations</a:t>
             </a:r>
           </a:p>
           <a:p>
@@ -11849,7 +11849,7 @@
 </file>
 
 <file path=ppt/slides/slide16.xml><?xml version="1.0" encoding="utf-8"?>
-<p:sld xmlns:a="http://schemas.openxmlformats.org/drawingml/2006/main" xmlns:r="http://schemas.openxmlformats.org/officeDocument/2006/relationships" xmlns:p="http://schemas.openxmlformats.org/presentationml/2006/main">
+<p:sld xmlns:a="http://schemas.openxmlformats.org/drawingml/2006/main" xmlns:r="http://schemas.openxmlformats.org/officeDocument/2006/relationships" xmlns:p="http://schemas.openxmlformats.org/presentationml/2006/main" show="0">
   <p:cSld>
     <p:bg>
       <p:bgPr>
@@ -25736,6 +25736,464 @@
           </a:p>
         </p:txBody>
       </p:sp>
+      <p:grpSp>
+        <p:nvGrpSpPr>
+          <p:cNvPr id="3" name="Group 2">
+            <a:extLst>
+              <a:ext uri="{FF2B5EF4-FFF2-40B4-BE49-F238E27FC236}">
+                <a16:creationId xmlns:a16="http://schemas.microsoft.com/office/drawing/2014/main" id="{9ED8E0E6-359B-7A2A-CF4B-E360F6512EAE}"/>
+              </a:ext>
+            </a:extLst>
+          </p:cNvPr>
+          <p:cNvGrpSpPr/>
+          <p:nvPr/>
+        </p:nvGrpSpPr>
+        <p:grpSpPr>
+          <a:xfrm>
+            <a:off x="8284171" y="2704400"/>
+            <a:ext cx="2294929" cy="661928"/>
+            <a:chOff x="9335421" y="1457585"/>
+            <a:chExt cx="2019232" cy="661928"/>
+          </a:xfrm>
+        </p:grpSpPr>
+        <p:sp>
+          <p:nvSpPr>
+            <p:cNvPr id="5" name="Rounded Rectangle 4">
+              <a:extLst>
+                <a:ext uri="{FF2B5EF4-FFF2-40B4-BE49-F238E27FC236}">
+                  <a16:creationId xmlns:a16="http://schemas.microsoft.com/office/drawing/2014/main" id="{4CAF76DB-EBC3-8B7D-499F-83CC697D6C93}"/>
+                </a:ext>
+              </a:extLst>
+            </p:cNvPr>
+            <p:cNvSpPr/>
+            <p:nvPr/>
+          </p:nvSpPr>
+          <p:spPr>
+            <a:xfrm>
+              <a:off x="9335421" y="1457585"/>
+              <a:ext cx="2019232" cy="661928"/>
+            </a:xfrm>
+            <a:prstGeom prst="roundRect">
+              <a:avLst/>
+            </a:prstGeom>
+            <a:noFill/>
+            <a:ln w="38100">
+              <a:solidFill>
+                <a:srgbClr val="00B050"/>
+              </a:solidFill>
+            </a:ln>
+          </p:spPr>
+          <p:style>
+            <a:lnRef idx="2">
+              <a:schemeClr val="accent1">
+                <a:shade val="15000"/>
+              </a:schemeClr>
+            </a:lnRef>
+            <a:fillRef idx="1">
+              <a:schemeClr val="accent1"/>
+            </a:fillRef>
+            <a:effectRef idx="0">
+              <a:schemeClr val="accent1"/>
+            </a:effectRef>
+            <a:fontRef idx="minor">
+              <a:schemeClr val="lt1"/>
+            </a:fontRef>
+          </p:style>
+          <p:txBody>
+            <a:bodyPr rtlCol="0" anchor="ctr"/>
+            <a:lstStyle/>
+            <a:p>
+              <a:pPr algn="ctr"/>
+              <a:endParaRPr lang="en-US" dirty="0">
+                <a:latin typeface="Helvetica" pitchFamily="2" charset="0"/>
+              </a:endParaRPr>
+            </a:p>
+          </p:txBody>
+        </p:sp>
+        <p:sp>
+          <p:nvSpPr>
+            <p:cNvPr id="6" name="TextBox 5">
+              <a:extLst>
+                <a:ext uri="{FF2B5EF4-FFF2-40B4-BE49-F238E27FC236}">
+                  <a16:creationId xmlns:a16="http://schemas.microsoft.com/office/drawing/2014/main" id="{03953F70-EE5C-E82E-0E0C-533AD877D95F}"/>
+                </a:ext>
+              </a:extLst>
+            </p:cNvPr>
+            <p:cNvSpPr txBox="1"/>
+            <p:nvPr/>
+          </p:nvSpPr>
+          <p:spPr>
+            <a:xfrm>
+              <a:off x="9381192" y="1528278"/>
+              <a:ext cx="1882128" cy="307777"/>
+            </a:xfrm>
+            <a:prstGeom prst="rect">
+              <a:avLst/>
+            </a:prstGeom>
+            <a:noFill/>
+          </p:spPr>
+          <p:txBody>
+            <a:bodyPr wrap="square" rtlCol="0">
+              <a:spAutoFit/>
+            </a:bodyPr>
+            <a:lstStyle/>
+            <a:p>
+              <a:r>
+                <a:rPr lang="en-US" sz="1400" b="1" dirty="0">
+                  <a:solidFill>
+                    <a:schemeClr val="bg1">
+                      <a:lumMod val="95000"/>
+                    </a:schemeClr>
+                  </a:solidFill>
+                  <a:latin typeface="Helvetica" pitchFamily="2" charset="0"/>
+                </a:rPr>
+                <a:t>postgres_to_s3</a:t>
+              </a:r>
+              <a:endParaRPr lang="en-US" b="1" dirty="0">
+                <a:solidFill>
+                  <a:schemeClr val="bg1">
+                    <a:lumMod val="95000"/>
+                  </a:schemeClr>
+                </a:solidFill>
+                <a:latin typeface="Helvetica" pitchFamily="2" charset="0"/>
+              </a:endParaRPr>
+            </a:p>
+          </p:txBody>
+        </p:sp>
+        <p:sp>
+          <p:nvSpPr>
+            <p:cNvPr id="7" name="TextBox 6">
+              <a:extLst>
+                <a:ext uri="{FF2B5EF4-FFF2-40B4-BE49-F238E27FC236}">
+                  <a16:creationId xmlns:a16="http://schemas.microsoft.com/office/drawing/2014/main" id="{C59790A7-D83A-FC75-5215-F9040894B0D6}"/>
+                </a:ext>
+              </a:extLst>
+            </p:cNvPr>
+            <p:cNvSpPr txBox="1"/>
+            <p:nvPr/>
+          </p:nvSpPr>
+          <p:spPr>
+            <a:xfrm>
+              <a:off x="9449720" y="1750544"/>
+              <a:ext cx="1904932" cy="261610"/>
+            </a:xfrm>
+            <a:prstGeom prst="rect">
+              <a:avLst/>
+            </a:prstGeom>
+            <a:noFill/>
+          </p:spPr>
+          <p:txBody>
+            <a:bodyPr wrap="square" rtlCol="0">
+              <a:spAutoFit/>
+            </a:bodyPr>
+            <a:lstStyle/>
+            <a:p>
+              <a:r>
+                <a:rPr lang="en-US" sz="1100" dirty="0">
+                  <a:solidFill>
+                    <a:schemeClr val="bg1">
+                      <a:lumMod val="95000"/>
+                    </a:schemeClr>
+                  </a:solidFill>
+                  <a:latin typeface="Helvetica" pitchFamily="2" charset="0"/>
+                </a:rPr>
+                <a:t>CustomPostgresToS3Operator</a:t>
+              </a:r>
+              <a:endParaRPr lang="en-US" sz="1400" dirty="0">
+                <a:solidFill>
+                  <a:schemeClr val="bg1">
+                    <a:lumMod val="95000"/>
+                  </a:schemeClr>
+                </a:solidFill>
+                <a:latin typeface="Helvetica" pitchFamily="2" charset="0"/>
+              </a:endParaRPr>
+            </a:p>
+          </p:txBody>
+        </p:sp>
+      </p:grpSp>
+      <p:grpSp>
+        <p:nvGrpSpPr>
+          <p:cNvPr id="8" name="Group 7">
+            <a:extLst>
+              <a:ext uri="{FF2B5EF4-FFF2-40B4-BE49-F238E27FC236}">
+                <a16:creationId xmlns:a16="http://schemas.microsoft.com/office/drawing/2014/main" id="{AF2DF1EF-A519-F568-4B2D-BF9B65FACEFD}"/>
+              </a:ext>
+            </a:extLst>
+          </p:cNvPr>
+          <p:cNvGrpSpPr/>
+          <p:nvPr/>
+        </p:nvGrpSpPr>
+        <p:grpSpPr>
+          <a:xfrm>
+            <a:off x="8284171" y="3534974"/>
+            <a:ext cx="2377419" cy="661928"/>
+            <a:chOff x="9335421" y="1457585"/>
+            <a:chExt cx="2091812" cy="661928"/>
+          </a:xfrm>
+        </p:grpSpPr>
+        <p:sp>
+          <p:nvSpPr>
+            <p:cNvPr id="9" name="Rounded Rectangle 8">
+              <a:extLst>
+                <a:ext uri="{FF2B5EF4-FFF2-40B4-BE49-F238E27FC236}">
+                  <a16:creationId xmlns:a16="http://schemas.microsoft.com/office/drawing/2014/main" id="{54459D4C-C790-C10E-E72C-177DD7D77494}"/>
+                </a:ext>
+              </a:extLst>
+            </p:cNvPr>
+            <p:cNvSpPr/>
+            <p:nvPr/>
+          </p:nvSpPr>
+          <p:spPr>
+            <a:xfrm>
+              <a:off x="9335421" y="1457585"/>
+              <a:ext cx="2019232" cy="661928"/>
+            </a:xfrm>
+            <a:prstGeom prst="roundRect">
+              <a:avLst/>
+            </a:prstGeom>
+            <a:noFill/>
+            <a:ln w="38100">
+              <a:solidFill>
+                <a:srgbClr val="00B050"/>
+              </a:solidFill>
+            </a:ln>
+          </p:spPr>
+          <p:style>
+            <a:lnRef idx="2">
+              <a:schemeClr val="accent1">
+                <a:shade val="15000"/>
+              </a:schemeClr>
+            </a:lnRef>
+            <a:fillRef idx="1">
+              <a:schemeClr val="accent1"/>
+            </a:fillRef>
+            <a:effectRef idx="0">
+              <a:schemeClr val="accent1"/>
+            </a:effectRef>
+            <a:fontRef idx="minor">
+              <a:schemeClr val="lt1"/>
+            </a:fontRef>
+          </p:style>
+          <p:txBody>
+            <a:bodyPr rtlCol="0" anchor="ctr"/>
+            <a:lstStyle/>
+            <a:p>
+              <a:pPr algn="ctr"/>
+              <a:endParaRPr lang="en-US" dirty="0">
+                <a:latin typeface="Helvetica" pitchFamily="2" charset="0"/>
+              </a:endParaRPr>
+            </a:p>
+          </p:txBody>
+        </p:sp>
+        <p:sp>
+          <p:nvSpPr>
+            <p:cNvPr id="10" name="TextBox 9">
+              <a:extLst>
+                <a:ext uri="{FF2B5EF4-FFF2-40B4-BE49-F238E27FC236}">
+                  <a16:creationId xmlns:a16="http://schemas.microsoft.com/office/drawing/2014/main" id="{6F04E44B-1FDE-9EA8-2657-1C0BE337681D}"/>
+                </a:ext>
+              </a:extLst>
+            </p:cNvPr>
+            <p:cNvSpPr txBox="1"/>
+            <p:nvPr/>
+          </p:nvSpPr>
+          <p:spPr>
+            <a:xfrm>
+              <a:off x="9381192" y="1528278"/>
+              <a:ext cx="1882128" cy="307777"/>
+            </a:xfrm>
+            <a:prstGeom prst="rect">
+              <a:avLst/>
+            </a:prstGeom>
+            <a:noFill/>
+          </p:spPr>
+          <p:txBody>
+            <a:bodyPr wrap="square" rtlCol="0">
+              <a:spAutoFit/>
+            </a:bodyPr>
+            <a:lstStyle/>
+            <a:p>
+              <a:r>
+                <a:rPr lang="en-US" sz="1400" b="1" dirty="0">
+                  <a:solidFill>
+                    <a:schemeClr val="bg1">
+                      <a:lumMod val="95000"/>
+                    </a:schemeClr>
+                  </a:solidFill>
+                  <a:latin typeface="Helvetica" pitchFamily="2" charset="0"/>
+                </a:rPr>
+                <a:t>s3_to_snowflake</a:t>
+              </a:r>
+              <a:endParaRPr lang="en-US" b="1" dirty="0">
+                <a:solidFill>
+                  <a:schemeClr val="bg1">
+                    <a:lumMod val="95000"/>
+                  </a:schemeClr>
+                </a:solidFill>
+                <a:latin typeface="Helvetica" pitchFamily="2" charset="0"/>
+              </a:endParaRPr>
+            </a:p>
+          </p:txBody>
+        </p:sp>
+        <p:sp>
+          <p:nvSpPr>
+            <p:cNvPr id="11" name="TextBox 10">
+              <a:extLst>
+                <a:ext uri="{FF2B5EF4-FFF2-40B4-BE49-F238E27FC236}">
+                  <a16:creationId xmlns:a16="http://schemas.microsoft.com/office/drawing/2014/main" id="{6B115C16-830E-6278-7243-DAC084C51B1A}"/>
+                </a:ext>
+              </a:extLst>
+            </p:cNvPr>
+            <p:cNvSpPr txBox="1"/>
+            <p:nvPr/>
+          </p:nvSpPr>
+          <p:spPr>
+            <a:xfrm>
+              <a:off x="9449720" y="1750544"/>
+              <a:ext cx="1977513" cy="261610"/>
+            </a:xfrm>
+            <a:prstGeom prst="rect">
+              <a:avLst/>
+            </a:prstGeom>
+            <a:noFill/>
+          </p:spPr>
+          <p:txBody>
+            <a:bodyPr wrap="square" rtlCol="0">
+              <a:spAutoFit/>
+            </a:bodyPr>
+            <a:lstStyle/>
+            <a:p>
+              <a:r>
+                <a:rPr lang="en-US" sz="1100" dirty="0">
+                  <a:solidFill>
+                    <a:schemeClr val="bg1">
+                      <a:lumMod val="95000"/>
+                    </a:schemeClr>
+                  </a:solidFill>
+                  <a:latin typeface="Helvetica" pitchFamily="2" charset="0"/>
+                </a:rPr>
+                <a:t>CustomS3ToSnowflakeOperator</a:t>
+              </a:r>
+              <a:endParaRPr lang="en-US" sz="1400" dirty="0">
+                <a:solidFill>
+                  <a:schemeClr val="bg1">
+                    <a:lumMod val="95000"/>
+                  </a:schemeClr>
+                </a:solidFill>
+                <a:latin typeface="Helvetica" pitchFamily="2" charset="0"/>
+              </a:endParaRPr>
+            </a:p>
+          </p:txBody>
+        </p:sp>
+      </p:grpSp>
+      <p:sp>
+        <p:nvSpPr>
+          <p:cNvPr id="12" name="Rounded Rectangle 11">
+            <a:extLst>
+              <a:ext uri="{FF2B5EF4-FFF2-40B4-BE49-F238E27FC236}">
+                <a16:creationId xmlns:a16="http://schemas.microsoft.com/office/drawing/2014/main" id="{653275F7-A115-6671-3E0A-D2A26C9EE679}"/>
+              </a:ext>
+            </a:extLst>
+          </p:cNvPr>
+          <p:cNvSpPr/>
+          <p:nvPr/>
+        </p:nvSpPr>
+        <p:spPr>
+          <a:xfrm>
+            <a:off x="8095521" y="2531178"/>
+            <a:ext cx="2672231" cy="1841591"/>
+          </a:xfrm>
+          <a:prstGeom prst="roundRect">
+            <a:avLst>
+              <a:gd name="adj" fmla="val 4429"/>
+            </a:avLst>
+          </a:prstGeom>
+          <a:noFill/>
+          <a:ln w="19050">
+            <a:solidFill>
+              <a:schemeClr val="bg1">
+                <a:lumMod val="95000"/>
+              </a:schemeClr>
+            </a:solidFill>
+          </a:ln>
+        </p:spPr>
+        <p:style>
+          <a:lnRef idx="2">
+            <a:schemeClr val="accent1">
+              <a:shade val="15000"/>
+            </a:schemeClr>
+          </a:lnRef>
+          <a:fillRef idx="1">
+            <a:schemeClr val="accent1"/>
+          </a:fillRef>
+          <a:effectRef idx="0">
+            <a:schemeClr val="accent1"/>
+          </a:effectRef>
+          <a:fontRef idx="minor">
+            <a:schemeClr val="lt1"/>
+          </a:fontRef>
+        </p:style>
+        <p:txBody>
+          <a:bodyPr rtlCol="0" anchor="ctr"/>
+          <a:lstStyle/>
+          <a:p>
+            <a:pPr algn="ctr"/>
+            <a:endParaRPr lang="en-US" dirty="0">
+              <a:latin typeface="Helvetica" pitchFamily="2" charset="0"/>
+            </a:endParaRPr>
+          </a:p>
+        </p:txBody>
+      </p:sp>
+      <p:sp>
+        <p:nvSpPr>
+          <p:cNvPr id="14" name="TextBox 13">
+            <a:extLst>
+              <a:ext uri="{FF2B5EF4-FFF2-40B4-BE49-F238E27FC236}">
+                <a16:creationId xmlns:a16="http://schemas.microsoft.com/office/drawing/2014/main" id="{D0CEF112-1CDD-2333-C755-4F1D5814CF2A}"/>
+              </a:ext>
+            </a:extLst>
+          </p:cNvPr>
+          <p:cNvSpPr txBox="1"/>
+          <p:nvPr/>
+        </p:nvSpPr>
+        <p:spPr>
+          <a:xfrm>
+            <a:off x="8147555" y="2247150"/>
+            <a:ext cx="2836469" cy="261610"/>
+          </a:xfrm>
+          <a:prstGeom prst="rect">
+            <a:avLst/>
+          </a:prstGeom>
+          <a:noFill/>
+        </p:spPr>
+        <p:txBody>
+          <a:bodyPr wrap="square" rtlCol="0">
+            <a:spAutoFit/>
+          </a:bodyPr>
+          <a:lstStyle/>
+          <a:p>
+            <a:r>
+              <a:rPr lang="en-US" sz="1100" dirty="0" err="1">
+                <a:solidFill>
+                  <a:schemeClr val="bg1">
+                    <a:lumMod val="95000"/>
+                  </a:schemeClr>
+                </a:solidFill>
+                <a:latin typeface="Helvetica" pitchFamily="2" charset="0"/>
+              </a:rPr>
+              <a:t>labor_replication_task_group</a:t>
+            </a:r>
+            <a:endParaRPr lang="en-US" sz="1400" dirty="0">
+              <a:solidFill>
+                <a:schemeClr val="bg1">
+                  <a:lumMod val="95000"/>
+                </a:schemeClr>
+              </a:solidFill>
+              <a:latin typeface="Helvetica" pitchFamily="2" charset="0"/>
+            </a:endParaRPr>
+          </a:p>
+        </p:txBody>
+      </p:sp>
     </p:spTree>
     <p:extLst>
       <p:ext uri="{BB962C8B-B14F-4D97-AF65-F5344CB8AC3E}">
@@ -26344,7 +26802,7 @@
                 <a:latin typeface="Helvetica" pitchFamily="2" charset="0"/>
                 <a:cs typeface="Arial" panose="020B0604020202020204" pitchFamily="34" charset="0"/>
               </a:rPr>
-              <a:t>Astro CLI, Cloud IDE , Astro SDK</a:t>
+              <a:t>Astro CLI, Registry, Astro Python SDK</a:t>
             </a:r>
           </a:p>
         </p:txBody>
@@ -31813,7 +32271,7 @@
                 <a:latin typeface="Helvetica" pitchFamily="2" charset="0"/>
                 <a:cs typeface="Arial" panose="020B0604020202020204" pitchFamily="34" charset="0"/>
               </a:rPr>
-              <a:t>Scheduled to run daily each morning</a:t>
+              <a:t>Scheduled to run daily, each morning</a:t>
             </a:r>
           </a:p>
           <a:p>

--- a/documentation/Astronomer Panel Presentation.pptx
+++ b/documentation/Astronomer Panel Presentation.pptx
@@ -27216,7 +27216,7 @@
                 <a:latin typeface="Helvetica" pitchFamily="2" charset="0"/>
                 <a:cs typeface="Arial" panose="020B0604020202020204" pitchFamily="34" charset="0"/>
               </a:rPr>
-              <a:t>Creating a complex data with a limited stack</a:t>
+              <a:t>Creating a complex data workflow with a limited stack</a:t>
             </a:r>
           </a:p>
         </p:txBody>
